--- a/Resources/Mapping Social Vulnerability Workshop.pptx
+++ b/Resources/Mapping Social Vulnerability Workshop.pptx
@@ -596,7 +596,7 @@
           <a:p>
             <a:fld id="{382DA3B4-CBE1-43BB-9AF9-525747268C70}" type="datetimeFigureOut">
               <a:rPr lang="en-US" smtClean="0"/>
-              <a:t>3/29/2019</a:t>
+              <a:t>4/1/2019</a:t>
             </a:fld>
             <a:endParaRPr lang="en-US"/>
           </a:p>
@@ -764,7 +764,7 @@
           <a:p>
             <a:fld id="{382DA3B4-CBE1-43BB-9AF9-525747268C70}" type="datetimeFigureOut">
               <a:rPr lang="en-US" smtClean="0"/>
-              <a:t>3/29/2019</a:t>
+              <a:t>4/1/2019</a:t>
             </a:fld>
             <a:endParaRPr lang="en-US"/>
           </a:p>
@@ -942,7 +942,7 @@
           <a:p>
             <a:fld id="{382DA3B4-CBE1-43BB-9AF9-525747268C70}" type="datetimeFigureOut">
               <a:rPr lang="en-US" smtClean="0"/>
-              <a:t>3/29/2019</a:t>
+              <a:t>4/1/2019</a:t>
             </a:fld>
             <a:endParaRPr lang="en-US"/>
           </a:p>
@@ -1338,7 +1338,7 @@
           <a:p>
             <a:fld id="{382DA3B4-CBE1-43BB-9AF9-525747268C70}" type="datetimeFigureOut">
               <a:rPr lang="en-US" smtClean="0"/>
-              <a:t>3/29/2019</a:t>
+              <a:t>4/1/2019</a:t>
             </a:fld>
             <a:endParaRPr lang="en-US"/>
           </a:p>
@@ -1583,7 +1583,7 @@
           <a:p>
             <a:fld id="{382DA3B4-CBE1-43BB-9AF9-525747268C70}" type="datetimeFigureOut">
               <a:rPr lang="en-US" smtClean="0"/>
-              <a:t>3/29/2019</a:t>
+              <a:t>4/1/2019</a:t>
             </a:fld>
             <a:endParaRPr lang="en-US"/>
           </a:p>
@@ -1868,7 +1868,7 @@
           <a:p>
             <a:fld id="{382DA3B4-CBE1-43BB-9AF9-525747268C70}" type="datetimeFigureOut">
               <a:rPr lang="en-US" smtClean="0"/>
-              <a:t>3/29/2019</a:t>
+              <a:t>4/1/2019</a:t>
             </a:fld>
             <a:endParaRPr lang="en-US"/>
           </a:p>
@@ -2287,7 +2287,7 @@
           <a:p>
             <a:fld id="{382DA3B4-CBE1-43BB-9AF9-525747268C70}" type="datetimeFigureOut">
               <a:rPr lang="en-US" smtClean="0"/>
-              <a:t>3/29/2019</a:t>
+              <a:t>4/1/2019</a:t>
             </a:fld>
             <a:endParaRPr lang="en-US"/>
           </a:p>
@@ -2404,7 +2404,7 @@
           <a:p>
             <a:fld id="{382DA3B4-CBE1-43BB-9AF9-525747268C70}" type="datetimeFigureOut">
               <a:rPr lang="en-US" smtClean="0"/>
-              <a:t>3/29/2019</a:t>
+              <a:t>4/1/2019</a:t>
             </a:fld>
             <a:endParaRPr lang="en-US"/>
           </a:p>
@@ -2499,7 +2499,7 @@
           <a:p>
             <a:fld id="{382DA3B4-CBE1-43BB-9AF9-525747268C70}" type="datetimeFigureOut">
               <a:rPr lang="en-US" smtClean="0"/>
-              <a:t>3/29/2019</a:t>
+              <a:t>4/1/2019</a:t>
             </a:fld>
             <a:endParaRPr lang="en-US"/>
           </a:p>
@@ -2774,7 +2774,7 @@
           <a:p>
             <a:fld id="{382DA3B4-CBE1-43BB-9AF9-525747268C70}" type="datetimeFigureOut">
               <a:rPr lang="en-US" smtClean="0"/>
-              <a:t>3/29/2019</a:t>
+              <a:t>4/1/2019</a:t>
             </a:fld>
             <a:endParaRPr lang="en-US"/>
           </a:p>
@@ -3029,7 +3029,7 @@
           <a:p>
             <a:fld id="{382DA3B4-CBE1-43BB-9AF9-525747268C70}" type="datetimeFigureOut">
               <a:rPr lang="en-US" smtClean="0"/>
-              <a:t>3/29/2019</a:t>
+              <a:t>4/1/2019</a:t>
             </a:fld>
             <a:endParaRPr lang="en-US"/>
           </a:p>
@@ -3248,7 +3248,7 @@
           <a:p>
             <a:fld id="{382DA3B4-CBE1-43BB-9AF9-525747268C70}" type="datetimeFigureOut">
               <a:rPr lang="en-US" smtClean="0"/>
-              <a:t>3/29/2019</a:t>
+              <a:t>4/1/2019</a:t>
             </a:fld>
             <a:endParaRPr lang="en-US"/>
           </a:p>
@@ -3712,6 +3712,13 @@
   <p:clrMapOvr>
     <a:masterClrMapping/>
   </p:clrMapOvr>
+  <p:timing>
+    <p:tnLst>
+      <p:par>
+        <p:cTn id="1" dur="indefinite" restart="never" nodeType="tmRoot"/>
+      </p:par>
+    </p:tnLst>
+  </p:timing>
 </p:sld>
 </file>
 
@@ -3842,6 +3849,13 @@
   <p:clrMapOvr>
     <a:masterClrMapping/>
   </p:clrMapOvr>
+  <p:timing>
+    <p:tnLst>
+      <p:par>
+        <p:cTn id="1" dur="indefinite" restart="never" nodeType="tmRoot"/>
+      </p:par>
+    </p:tnLst>
+  </p:timing>
 </p:sld>
 </file>
 
@@ -4110,6 +4124,13 @@
   <p:clrMapOvr>
     <a:masterClrMapping/>
   </p:clrMapOvr>
+  <p:timing>
+    <p:tnLst>
+      <p:par>
+        <p:cTn id="1" dur="indefinite" restart="never" nodeType="tmRoot"/>
+      </p:par>
+    </p:tnLst>
+  </p:timing>
 </p:sld>
 </file>
 
@@ -4151,43 +4172,104 @@
         </p:blipFill>
         <p:spPr>
           <a:xfrm>
-            <a:off x="43543" y="-1077"/>
-            <a:ext cx="6468543" cy="4162071"/>
+            <a:off x="2007263" y="0"/>
+            <a:ext cx="8893511" cy="5722374"/>
           </a:xfrm>
           <a:prstGeom prst="rect">
             <a:avLst/>
           </a:prstGeom>
         </p:spPr>
       </p:pic>
-      <p:pic>
-        <p:nvPicPr>
-          <p:cNvPr id="8" name="Picture 6" descr="A screenshot of a cell phone&#10;&#10;Description generated with very high confidence">
-            <a:extLst>
-              <a:ext uri="{FF2B5EF4-FFF2-40B4-BE49-F238E27FC236}">
-                <a16:creationId xmlns:a16="http://schemas.microsoft.com/office/drawing/2014/main" id="{381C925D-5FB4-4B04-8D9E-2365F7483DCD}"/>
-              </a:ext>
-            </a:extLst>
-          </p:cNvPr>
-          <p:cNvPicPr>
-            <a:picLocks noChangeAspect="1"/>
-          </p:cNvPicPr>
+      <p:grpSp>
+        <p:nvGrpSpPr>
+          <p:cNvPr id="4" name="Group 3"/>
+          <p:cNvGrpSpPr/>
           <p:nvPr/>
-        </p:nvPicPr>
-        <p:blipFill rotWithShape="1">
-          <a:blip r:embed="rId2"/>
-          <a:srcRect t="59965" r="186"/>
-          <a:stretch/>
-        </p:blipFill>
-        <p:spPr>
+        </p:nvGrpSpPr>
+        <p:grpSpPr>
           <a:xfrm>
-            <a:off x="6454019" y="482732"/>
-            <a:ext cx="6468543" cy="2746484"/>
+            <a:off x="1504335" y="58993"/>
+            <a:ext cx="10191135" cy="5663381"/>
+            <a:chOff x="1504335" y="58993"/>
+            <a:chExt cx="10191135" cy="5663381"/>
           </a:xfrm>
-          <a:prstGeom prst="rect">
-            <a:avLst/>
-          </a:prstGeom>
-        </p:spPr>
-      </p:pic>
+        </p:grpSpPr>
+        <p:sp>
+          <p:nvSpPr>
+            <p:cNvPr id="2" name="Rectangle 1"/>
+            <p:cNvSpPr/>
+            <p:nvPr/>
+          </p:nvSpPr>
+          <p:spPr>
+            <a:xfrm>
+              <a:off x="1504335" y="58993"/>
+              <a:ext cx="10191135" cy="5663381"/>
+            </a:xfrm>
+            <a:prstGeom prst="rect">
+              <a:avLst/>
+            </a:prstGeom>
+            <a:solidFill>
+              <a:schemeClr val="bg1"/>
+            </a:solidFill>
+            <a:ln>
+              <a:solidFill>
+                <a:schemeClr val="bg1"/>
+              </a:solidFill>
+            </a:ln>
+          </p:spPr>
+          <p:style>
+            <a:lnRef idx="1">
+              <a:schemeClr val="accent1"/>
+            </a:lnRef>
+            <a:fillRef idx="3">
+              <a:schemeClr val="accent1"/>
+            </a:fillRef>
+            <a:effectRef idx="2">
+              <a:schemeClr val="accent1"/>
+            </a:effectRef>
+            <a:fontRef idx="minor">
+              <a:schemeClr val="lt1"/>
+            </a:fontRef>
+          </p:style>
+          <p:txBody>
+            <a:bodyPr rtlCol="0" anchor="ctr"/>
+            <a:lstStyle/>
+            <a:p>
+              <a:pPr algn="ctr"/>
+              <a:endParaRPr lang="en-US"/>
+            </a:p>
+          </p:txBody>
+        </p:sp>
+        <p:pic>
+          <p:nvPicPr>
+            <p:cNvPr id="8" name="Picture 6" descr="A screenshot of a cell phone&#10;&#10;Description generated with very high confidence">
+              <a:extLst>
+                <a:ext uri="{FF2B5EF4-FFF2-40B4-BE49-F238E27FC236}">
+                  <a16:creationId xmlns:a16="http://schemas.microsoft.com/office/drawing/2014/main" id="{381C925D-5FB4-4B04-8D9E-2365F7483DCD}"/>
+                </a:ext>
+              </a:extLst>
+            </p:cNvPr>
+            <p:cNvPicPr>
+              <a:picLocks noChangeAspect="1"/>
+            </p:cNvPicPr>
+            <p:nvPr/>
+          </p:nvPicPr>
+          <p:blipFill rotWithShape="1">
+            <a:blip r:embed="rId2"/>
+            <a:srcRect t="59965" r="186"/>
+            <a:stretch/>
+          </p:blipFill>
+          <p:spPr>
+            <a:xfrm>
+              <a:off x="2399566" y="1146127"/>
+              <a:ext cx="8378447" cy="3489110"/>
+            </a:xfrm>
+            <a:prstGeom prst="rect">
+              <a:avLst/>
+            </a:prstGeom>
+          </p:spPr>
+        </p:pic>
+      </p:grpSp>
     </p:spTree>
     <p:extLst>
       <p:ext uri="{BB962C8B-B14F-4D97-AF65-F5344CB8AC3E}">
@@ -4198,6 +4280,81 @@
   <p:clrMapOvr>
     <a:masterClrMapping/>
   </p:clrMapOvr>
+  <p:timing>
+    <p:tnLst>
+      <p:par>
+        <p:cTn id="1" dur="indefinite" restart="never" nodeType="tmRoot">
+          <p:childTnLst>
+            <p:seq concurrent="1" nextAc="seek">
+              <p:cTn id="2" dur="indefinite" nodeType="mainSeq">
+                <p:childTnLst>
+                  <p:par>
+                    <p:cTn id="3" fill="hold">
+                      <p:stCondLst>
+                        <p:cond delay="indefinite"/>
+                      </p:stCondLst>
+                      <p:childTnLst>
+                        <p:par>
+                          <p:cTn id="4" fill="hold">
+                            <p:stCondLst>
+                              <p:cond delay="0"/>
+                            </p:stCondLst>
+                            <p:childTnLst>
+                              <p:par>
+                                <p:cTn id="5" presetID="1" presetClass="entr" presetSubtype="0" fill="hold" nodeType="clickEffect">
+                                  <p:stCondLst>
+                                    <p:cond delay="0"/>
+                                  </p:stCondLst>
+                                  <p:childTnLst>
+                                    <p:set>
+                                      <p:cBhvr>
+                                        <p:cTn id="6" dur="1" fill="hold">
+                                          <p:stCondLst>
+                                            <p:cond delay="0"/>
+                                          </p:stCondLst>
+                                        </p:cTn>
+                                        <p:tgtEl>
+                                          <p:spTgt spid="4"/>
+                                        </p:tgtEl>
+                                        <p:attrNameLst>
+                                          <p:attrName>style.visibility</p:attrName>
+                                        </p:attrNameLst>
+                                      </p:cBhvr>
+                                      <p:to>
+                                        <p:strVal val="visible"/>
+                                      </p:to>
+                                    </p:set>
+                                  </p:childTnLst>
+                                </p:cTn>
+                              </p:par>
+                            </p:childTnLst>
+                          </p:cTn>
+                        </p:par>
+                      </p:childTnLst>
+                    </p:cTn>
+                  </p:par>
+                </p:childTnLst>
+              </p:cTn>
+              <p:prevCondLst>
+                <p:cond evt="onPrev" delay="0">
+                  <p:tgtEl>
+                    <p:sldTgt/>
+                  </p:tgtEl>
+                </p:cond>
+              </p:prevCondLst>
+              <p:nextCondLst>
+                <p:cond evt="onNext" delay="0">
+                  <p:tgtEl>
+                    <p:sldTgt/>
+                  </p:tgtEl>
+                </p:cond>
+              </p:nextCondLst>
+            </p:seq>
+          </p:childTnLst>
+        </p:cTn>
+      </p:par>
+    </p:tnLst>
+  </p:timing>
 </p:sld>
 </file>
 
@@ -4258,6 +4415,13 @@
   <p:clrMapOvr>
     <a:masterClrMapping/>
   </p:clrMapOvr>
+  <p:timing>
+    <p:tnLst>
+      <p:par>
+        <p:cTn id="1" dur="indefinite" restart="never" nodeType="tmRoot"/>
+      </p:par>
+    </p:tnLst>
+  </p:timing>
 </p:sld>
 </file>
 
@@ -4320,19 +4484,60 @@
             <p:ph type="body" idx="1"/>
           </p:nvPr>
         </p:nvSpPr>
-        <p:spPr/>
+        <p:spPr>
+          <a:xfrm>
+            <a:off x="415600" y="1253613"/>
+            <a:ext cx="11360800" cy="4838220"/>
+          </a:xfrm>
+        </p:spPr>
         <p:txBody>
           <a:bodyPr>
-            <a:normAutofit/>
+            <a:normAutofit lnSpcReduction="10000"/>
           </a:bodyPr>
           <a:lstStyle/>
           <a:p>
             <a:pPr marL="456565" indent="-456565"/>
+            <a:r>
+              <a:rPr lang="en-US" sz="2600" dirty="0" smtClean="0">
+                <a:cs typeface="Times New Roman"/>
+              </a:rPr>
+              <a:t>Part I: Introduction to R</a:t>
+            </a:r>
+          </a:p>
+          <a:p>
+            <a:pPr marL="456565" indent="-456565"/>
+            <a:endParaRPr lang="en-US" sz="2600" dirty="0" smtClean="0">
+              <a:cs typeface="Times New Roman"/>
+            </a:endParaRPr>
+          </a:p>
+          <a:p>
+            <a:pPr marL="456565" indent="-456565"/>
+            <a:r>
+              <a:rPr lang="en-US" sz="2600" dirty="0" smtClean="0">
+                <a:cs typeface="Times New Roman"/>
+              </a:rPr>
+              <a:t>Part II: Introduction to plotting &amp; graphics</a:t>
+            </a:r>
+          </a:p>
+          <a:p>
+            <a:pPr marL="456565" indent="-456565"/>
+            <a:endParaRPr lang="en-US" sz="2600" dirty="0" smtClean="0">
+              <a:cs typeface="Times New Roman"/>
+            </a:endParaRPr>
+          </a:p>
+          <a:p>
+            <a:pPr marL="456565" indent="-456565"/>
+            <a:r>
+              <a:rPr lang="en-US" sz="2600" dirty="0" smtClean="0">
+                <a:cs typeface="Times New Roman"/>
+              </a:rPr>
+              <a:t>Part III: </a:t>
+            </a:r>
             <a:r>
               <a:rPr lang="en-US" sz="2600" dirty="0">
                 <a:cs typeface="Times New Roman"/>
               </a:rPr>
-              <a:t>Part I: Data </a:t>
+              <a:t>Data </a:t>
             </a:r>
             <a:r>
               <a:rPr lang="en-US" sz="2600" dirty="0" smtClean="0">
@@ -4374,7 +4579,19 @@
               <a:rPr lang="en-US" sz="2600" dirty="0">
                 <a:cs typeface="Times New Roman"/>
               </a:rPr>
-              <a:t>Part II: Mapping in R</a:t>
+              <a:t>Part </a:t>
+            </a:r>
+            <a:r>
+              <a:rPr lang="en-US" sz="2600" dirty="0" smtClean="0">
+                <a:cs typeface="Times New Roman"/>
+              </a:rPr>
+              <a:t>IV: </a:t>
+            </a:r>
+            <a:r>
+              <a:rPr lang="en-US" sz="2600" dirty="0">
+                <a:cs typeface="Times New Roman"/>
+              </a:rPr>
+              <a:t>Mapping in R</a:t>
             </a:r>
           </a:p>
           <a:p>
@@ -4440,6 +4657,13 @@
   <p:clrMapOvr>
     <a:masterClrMapping/>
   </p:clrMapOvr>
+  <p:timing>
+    <p:tnLst>
+      <p:par>
+        <p:cTn id="1" dur="indefinite" restart="never" nodeType="tmRoot"/>
+      </p:par>
+    </p:tnLst>
+  </p:timing>
 </p:sld>
 </file>
 
@@ -4518,7 +4742,6 @@
               <a:rPr lang="en-US" sz="2600" b="1" dirty="0" smtClean="0"/>
               <a:t>Academic Courses: </a:t>
             </a:r>
-            <a:endParaRPr lang="en-US" sz="2600" b="1" dirty="0" smtClean="0"/>
           </a:p>
           <a:p>
             <a:pPr lvl="1"/>
@@ -4531,11 +4754,7 @@
             <a:pPr lvl="1"/>
             <a:r>
               <a:rPr lang="en-US" sz="2200" dirty="0" smtClean="0"/>
-              <a:t>BE </a:t>
-            </a:r>
-            <a:r>
-              <a:rPr lang="en-US" sz="2200" dirty="0" smtClean="0"/>
-              <a:t>8083 – Data Analysis with R and SAS</a:t>
+              <a:t>BE 8083 – Data Analysis with R and SAS</a:t>
             </a:r>
           </a:p>
           <a:p>
@@ -4631,6 +4850,13 @@
   <p:clrMapOvr>
     <a:masterClrMapping/>
   </p:clrMapOvr>
+  <p:timing>
+    <p:tnLst>
+      <p:par>
+        <p:cTn id="1" dur="indefinite" restart="never" nodeType="tmRoot"/>
+      </p:par>
+    </p:tnLst>
+  </p:timing>
 </p:sld>
 </file>
 
@@ -4677,13 +4903,7 @@
               <a:rPr lang="en-US" dirty="0" smtClean="0">
                 <a:latin typeface="+mn-lt"/>
               </a:rPr>
-              <a:t>Online </a:t>
-            </a:r>
-            <a:r>
-              <a:rPr lang="en-US" dirty="0" smtClean="0">
-                <a:latin typeface="+mn-lt"/>
-              </a:rPr>
-              <a:t>Resources</a:t>
+              <a:t>Online Resources</a:t>
             </a:r>
             <a:endParaRPr lang="en-US" dirty="0">
               <a:latin typeface="+mn-lt"/>
@@ -4712,117 +4932,90 @@
               <a:buNone/>
             </a:pPr>
             <a:r>
-              <a:rPr lang="en-US" sz="2200" dirty="0" err="1" smtClean="0"/>
+              <a:rPr lang="en-US" sz="2600" dirty="0" err="1" smtClean="0"/>
               <a:t>Geocomputation</a:t>
             </a:r>
             <a:r>
-              <a:rPr lang="en-US" sz="2200" dirty="0" smtClean="0"/>
-              <a:t> </a:t>
-            </a:r>
-            <a:r>
-              <a:rPr lang="en-US" sz="2200" dirty="0"/>
-              <a:t>in </a:t>
-            </a:r>
-            <a:r>
-              <a:rPr lang="en-US" sz="2200" dirty="0" smtClean="0"/>
-              <a:t>R (Free online)</a:t>
-            </a:r>
-            <a:endParaRPr lang="en-US" sz="2200" dirty="0"/>
-          </a:p>
-          <a:p>
-            <a:r>
-              <a:rPr lang="en-US" sz="2200" dirty="0">
+              <a:rPr lang="en-US" sz="2600" dirty="0" smtClean="0"/>
+              <a:t> in R (Free online)</a:t>
+            </a:r>
+          </a:p>
+          <a:p>
+            <a:r>
+              <a:rPr lang="en-US" sz="2600" dirty="0" smtClean="0">
                 <a:hlinkClick r:id="rId2"/>
               </a:rPr>
               <a:t>https://geocompr.robinlovelace.net/</a:t>
             </a:r>
-            <a:endParaRPr lang="en-US" sz="2200" dirty="0"/>
-          </a:p>
-          <a:p>
-            <a:endParaRPr lang="en-US" sz="2200" dirty="0" smtClean="0"/>
+            <a:endParaRPr lang="en-US" sz="2600" dirty="0" smtClean="0"/>
+          </a:p>
+          <a:p>
+            <a:endParaRPr lang="en-US" sz="2600" dirty="0" smtClean="0"/>
           </a:p>
           <a:p>
             <a:pPr marL="0" indent="0">
               <a:buNone/>
             </a:pPr>
             <a:r>
-              <a:rPr lang="en-US" sz="2200" dirty="0" smtClean="0"/>
+              <a:rPr lang="en-US" sz="2600" dirty="0" smtClean="0"/>
               <a:t>Additional Online resources</a:t>
             </a:r>
           </a:p>
           <a:p>
             <a:r>
-              <a:rPr lang="en-US" sz="2200" dirty="0" smtClean="0">
+              <a:rPr lang="en-US" sz="2600" dirty="0" smtClean="0">
                 <a:hlinkClick r:id="rId3"/>
               </a:rPr>
-              <a:t>https</a:t>
-            </a:r>
-            <a:r>
-              <a:rPr lang="en-US" sz="2200" dirty="0">
-                <a:hlinkClick r:id="rId3"/>
-              </a:rPr>
-              <a:t>://</a:t>
-            </a:r>
-            <a:r>
-              <a:rPr lang="en-US" sz="2200" dirty="0" smtClean="0">
-                <a:hlinkClick r:id="rId3"/>
-              </a:rPr>
-              <a:t>guides.libraries.uc.edu/gmp-research-labs/r</a:t>
-            </a:r>
-            <a:r>
-              <a:rPr lang="en-US" sz="2200" dirty="0" smtClean="0"/>
+              <a:t>https://guides.libraries.uc.edu/gmp-research-labs/r</a:t>
+            </a:r>
+            <a:r>
+              <a:rPr lang="en-US" sz="2600" dirty="0" smtClean="0"/>
               <a:t> </a:t>
             </a:r>
-            <a:endParaRPr lang="en-US" sz="2200" dirty="0" smtClean="0"/>
-          </a:p>
-          <a:p>
-            <a:r>
-              <a:rPr lang="en-US" sz="2200" dirty="0" smtClean="0"/>
+          </a:p>
+          <a:p>
+            <a:r>
+              <a:rPr lang="en-US" sz="2600" dirty="0" smtClean="0"/>
               <a:t>Google</a:t>
             </a:r>
           </a:p>
           <a:p>
             <a:pPr lvl="1"/>
             <a:r>
-              <a:rPr lang="en-US" sz="1666" dirty="0" smtClean="0"/>
+              <a:rPr lang="en-US" sz="2600" dirty="0" smtClean="0"/>
               <a:t>www.stackoverflow.com  </a:t>
             </a:r>
-            <a:endParaRPr lang="en-US" sz="1666" dirty="0" smtClean="0"/>
           </a:p>
           <a:p>
             <a:pPr lvl="1"/>
             <a:r>
-              <a:rPr lang="en-US" sz="1666" dirty="0" smtClean="0">
+              <a:rPr lang="en-US" sz="2600" dirty="0" smtClean="0">
                 <a:hlinkClick r:id="rId4"/>
               </a:rPr>
               <a:t>www.r-bloggers.com</a:t>
             </a:r>
-            <a:endParaRPr lang="en-US" sz="1666" dirty="0" smtClean="0"/>
-          </a:p>
-          <a:p>
-            <a:r>
-              <a:rPr lang="en-US" sz="2200" dirty="0" smtClean="0"/>
-              <a:t>Twitter</a:t>
-            </a:r>
-            <a:r>
-              <a:rPr lang="en-US" sz="2200" dirty="0" smtClean="0"/>
-              <a:t>: #</a:t>
-            </a:r>
-            <a:r>
-              <a:rPr lang="en-US" sz="2200" dirty="0" err="1" smtClean="0"/>
+            <a:endParaRPr lang="en-US" sz="2600" dirty="0" smtClean="0"/>
+          </a:p>
+          <a:p>
+            <a:r>
+              <a:rPr lang="en-US" sz="2600" dirty="0" smtClean="0"/>
+              <a:t>Twitter: #</a:t>
+            </a:r>
+            <a:r>
+              <a:rPr lang="en-US" sz="2600" dirty="0" err="1" smtClean="0"/>
               <a:t>rstats</a:t>
             </a:r>
             <a:r>
-              <a:rPr lang="en-US" sz="2200" dirty="0" smtClean="0"/>
+              <a:rPr lang="en-US" sz="2600" dirty="0" smtClean="0"/>
               <a:t> </a:t>
             </a:r>
-            <a:endParaRPr lang="en-US" sz="2200" dirty="0" smtClean="0"/>
-          </a:p>
-          <a:p>
-            <a:r>
-              <a:rPr lang="en-US" sz="2200" dirty="0" smtClean="0"/>
+          </a:p>
+          <a:p>
+            <a:r>
+              <a:rPr lang="en-US" sz="2600" dirty="0" smtClean="0"/>
               <a:t>YouTube.com</a:t>
             </a:r>
+            <a:endParaRPr lang="en-US" sz="2600" dirty="0" smtClean="0"/>
           </a:p>
         </p:txBody>
       </p:sp>
@@ -4836,6 +5029,13 @@
   <p:clrMapOvr>
     <a:masterClrMapping/>
   </p:clrMapOvr>
+  <p:timing>
+    <p:tnLst>
+      <p:par>
+        <p:cTn id="1" dur="indefinite" restart="never" nodeType="tmRoot"/>
+      </p:par>
+    </p:tnLst>
+  </p:timing>
 </p:sld>
 </file>
 
@@ -5088,6 +5288,13 @@
   <p:clrMapOvr>
     <a:masterClrMapping/>
   </p:clrMapOvr>
+  <p:timing>
+    <p:tnLst>
+      <p:par>
+        <p:cTn id="1" dur="indefinite" restart="never" nodeType="tmRoot"/>
+      </p:par>
+    </p:tnLst>
+  </p:timing>
 </p:sld>
 </file>
 
@@ -5199,6 +5406,13 @@
   <p:clrMapOvr>
     <a:masterClrMapping/>
   </p:clrMapOvr>
+  <p:timing>
+    <p:tnLst>
+      <p:par>
+        <p:cTn id="1" dur="indefinite" restart="never" nodeType="tmRoot"/>
+      </p:par>
+    </p:tnLst>
+  </p:timing>
 </p:sld>
 </file>
 
@@ -5323,17 +5537,15 @@
             <a:pPr marL="989965" lvl="1" indent="-380365"/>
             <a:r>
               <a:rPr lang="en-US" sz="3700" dirty="0"/>
-              <a:t>Create interactive maps using R</a:t>
-            </a:r>
-            <a:endParaRPr lang="en-US" sz="3700" dirty="0">
-              <a:cs typeface="Times New Roman"/>
-            </a:endParaRPr>
-          </a:p>
-          <a:p>
-            <a:pPr marL="989965" lvl="1" indent="-380365"/>
+              <a:t>Create </a:t>
+            </a:r>
+            <a:r>
+              <a:rPr lang="en-US" sz="3700" dirty="0" smtClean="0"/>
+              <a:t>and explore interactive </a:t>
+            </a:r>
             <a:r>
               <a:rPr lang="en-US" sz="3700" dirty="0"/>
-              <a:t>Analyze results</a:t>
+              <a:t>maps using R</a:t>
             </a:r>
             <a:endParaRPr lang="en-US" sz="3700" dirty="0">
               <a:cs typeface="Times New Roman"/>
@@ -5425,6 +5637,13 @@
   <p:clrMapOvr>
     <a:masterClrMapping/>
   </p:clrMapOvr>
+  <p:timing>
+    <p:tnLst>
+      <p:par>
+        <p:cTn id="1" dur="indefinite" restart="never" nodeType="tmRoot"/>
+      </p:par>
+    </p:tnLst>
+  </p:timing>
 </p:sld>
 </file>
 
@@ -5575,6 +5794,13 @@
   <p:clrMapOvr>
     <a:masterClrMapping/>
   </p:clrMapOvr>
+  <p:timing>
+    <p:tnLst>
+      <p:par>
+        <p:cTn id="1" dur="indefinite" restart="never" nodeType="tmRoot"/>
+      </p:par>
+    </p:tnLst>
+  </p:timing>
 </p:sld>
 </file>
 
@@ -5614,17 +5840,23 @@
         <p:spPr/>
         <p:txBody>
           <a:bodyPr>
-            <a:normAutofit fontScale="90000"/>
+            <a:noAutofit/>
           </a:bodyPr>
           <a:lstStyle/>
           <a:p>
             <a:r>
-              <a:rPr lang="en-US" sz="5850" dirty="0">
+              <a:rPr lang="en-US" sz="4400" dirty="0">
                 <a:cs typeface="Arial"/>
               </a:rPr>
-              <a:t>Accessing Data from GitHub</a:t>
-            </a:r>
-            <a:endParaRPr lang="en-US" dirty="0"/>
+              <a:t>Accessing Data from </a:t>
+            </a:r>
+            <a:r>
+              <a:rPr lang="en-US" sz="4400" dirty="0" smtClean="0">
+                <a:cs typeface="Arial"/>
+              </a:rPr>
+              <a:t>GitHub or Google Drive</a:t>
+            </a:r>
+            <a:endParaRPr lang="en-US" sz="4400" dirty="0"/>
           </a:p>
         </p:txBody>
       </p:sp>
@@ -5655,12 +5887,32 @@
                 <a:cs typeface="Times New Roman"/>
                 <a:hlinkClick r:id="rId2"/>
               </a:rPr>
-              <a:t>https://github.com/RAJohansen/DataDay2019</a:t>
-            </a:r>
-            <a:endParaRPr lang="en-US"/>
-          </a:p>
-          <a:p>
-            <a:pPr marL="456565" indent="-456565"/>
+              <a:t>https://</a:t>
+            </a:r>
+            <a:r>
+              <a:rPr lang="en-US" sz="4250" dirty="0" smtClean="0">
+                <a:cs typeface="Times New Roman"/>
+                <a:hlinkClick r:id="rId2"/>
+              </a:rPr>
+              <a:t>github.com/RAJohansen/DataDay2019</a:t>
+            </a:r>
+            <a:endParaRPr lang="en-US" sz="4250" dirty="0" smtClean="0">
+              <a:cs typeface="Times New Roman"/>
+            </a:endParaRPr>
+          </a:p>
+          <a:p>
+            <a:pPr marL="0" indent="0">
+              <a:buNone/>
+            </a:pPr>
+            <a:endParaRPr lang="en-US" dirty="0"/>
+          </a:p>
+          <a:p>
+            <a:r>
+              <a:rPr lang="en-US" dirty="0">
+                <a:hlinkClick r:id="rId3"/>
+              </a:rPr>
+              <a:t>https://drive.google.com/drive/folders/1XVb2oXMKb5LjbcK9KMCsZ4zarZgqxIpd</a:t>
+            </a:r>
             <a:endParaRPr lang="en-US" sz="4250" dirty="0">
               <a:cs typeface="Times New Roman"/>
             </a:endParaRPr>
@@ -5677,6 +5929,13 @@
   <p:clrMapOvr>
     <a:masterClrMapping/>
   </p:clrMapOvr>
+  <p:timing>
+    <p:tnLst>
+      <p:par>
+        <p:cTn id="1" dur="indefinite" restart="never" nodeType="tmRoot"/>
+      </p:par>
+    </p:tnLst>
+  </p:timing>
 </p:sld>
 </file>
 
@@ -5750,10 +6009,15 @@
             <p:ph type="body" idx="1"/>
           </p:nvPr>
         </p:nvSpPr>
-        <p:spPr/>
+        <p:spPr>
+          <a:xfrm>
+            <a:off x="415600" y="1356967"/>
+            <a:ext cx="11360800" cy="4555200"/>
+          </a:xfrm>
+        </p:spPr>
         <p:txBody>
           <a:bodyPr>
-            <a:normAutofit fontScale="92500" lnSpcReduction="10000"/>
+            <a:normAutofit fontScale="77500" lnSpcReduction="20000"/>
           </a:bodyPr>
           <a:lstStyle/>
           <a:p>
@@ -5807,8 +6071,17 @@
               <a:rPr lang="en-US" sz="4250" dirty="0" err="1">
                 <a:cs typeface="Times New Roman"/>
               </a:rPr>
-              <a:t>tidyverse</a:t>
-            </a:r>
+              <a:t>t</a:t>
+            </a:r>
+            <a:r>
+              <a:rPr lang="en-US" sz="4250" dirty="0" err="1" smtClean="0">
+                <a:cs typeface="Times New Roman"/>
+              </a:rPr>
+              <a:t>idyverse</a:t>
+            </a:r>
+            <a:endParaRPr lang="en-US" sz="4250" dirty="0" smtClean="0">
+              <a:cs typeface="Times New Roman"/>
+            </a:endParaRPr>
           </a:p>
           <a:p>
             <a:pPr marL="1523365" lvl="2" indent="-304165"/>
@@ -5816,8 +6089,50 @@
               <a:rPr lang="en-US" sz="4250" dirty="0" err="1">
                 <a:cs typeface="Times New Roman"/>
               </a:rPr>
+              <a:t>dplyr</a:t>
+            </a:r>
+            <a:endParaRPr lang="en-US" sz="4250" dirty="0">
+              <a:cs typeface="Times New Roman"/>
+            </a:endParaRPr>
+          </a:p>
+          <a:p>
+            <a:pPr marL="1523365" lvl="2" indent="-304165"/>
+            <a:r>
+              <a:rPr lang="en-US" sz="4250" dirty="0" err="1" smtClean="0">
+                <a:cs typeface="Times New Roman"/>
+              </a:rPr>
               <a:t>tmap</a:t>
             </a:r>
+            <a:endParaRPr lang="en-US" sz="4250" dirty="0" smtClean="0">
+              <a:cs typeface="Times New Roman"/>
+            </a:endParaRPr>
+          </a:p>
+          <a:p>
+            <a:pPr marL="1523365" lvl="2" indent="-304165"/>
+            <a:r>
+              <a:rPr lang="en-US" sz="4250" dirty="0" smtClean="0">
+                <a:cs typeface="Times New Roman"/>
+              </a:rPr>
+              <a:t>leaflet</a:t>
+            </a:r>
+          </a:p>
+          <a:p>
+            <a:pPr marL="1523365" lvl="2" indent="-304165"/>
+            <a:r>
+              <a:rPr lang="en-US" sz="4250" dirty="0">
+                <a:cs typeface="Times New Roman"/>
+              </a:rPr>
+              <a:t>s</a:t>
+            </a:r>
+            <a:r>
+              <a:rPr lang="en-US" sz="4250" dirty="0" smtClean="0">
+                <a:cs typeface="Times New Roman"/>
+              </a:rPr>
+              <a:t>f</a:t>
+            </a:r>
+            <a:endParaRPr lang="en-US" sz="4250" dirty="0">
+              <a:cs typeface="Times New Roman"/>
+            </a:endParaRPr>
           </a:p>
           <a:p>
             <a:pPr marL="1523365" lvl="2" indent="-304165"/>
@@ -5831,20 +6146,14 @@
           <a:p>
             <a:pPr marL="1523365" lvl="2" indent="-304165"/>
             <a:r>
-              <a:rPr lang="en-US" sz="4250" dirty="0" err="1">
+              <a:rPr lang="en-US" sz="4250" dirty="0" err="1" smtClean="0">
                 <a:cs typeface="Times New Roman"/>
               </a:rPr>
-              <a:t>dplyr</a:t>
-            </a:r>
-          </a:p>
-          <a:p>
-            <a:pPr marL="1523365" lvl="2" indent="-304165"/>
-            <a:r>
-              <a:rPr lang="en-US" sz="4250" dirty="0" err="1">
-                <a:cs typeface="Times New Roman"/>
-              </a:rPr>
               <a:t>tabulizer</a:t>
             </a:r>
+            <a:endParaRPr lang="en-US" sz="4250" dirty="0">
+              <a:cs typeface="Times New Roman"/>
+            </a:endParaRPr>
           </a:p>
           <a:p>
             <a:pPr marL="456565" indent="-456565"/>
@@ -5864,6 +6173,13 @@
   <p:clrMapOvr>
     <a:masterClrMapping/>
   </p:clrMapOvr>
+  <p:timing>
+    <p:tnLst>
+      <p:par>
+        <p:cTn id="1" dur="indefinite" restart="never" nodeType="tmRoot"/>
+      </p:par>
+    </p:tnLst>
+  </p:timing>
 </p:sld>
 </file>
 
@@ -6050,6 +6366,13 @@
   <p:clrMapOvr>
     <a:masterClrMapping/>
   </p:clrMapOvr>
+  <p:timing>
+    <p:tnLst>
+      <p:par>
+        <p:cTn id="1" dur="indefinite" restart="never" nodeType="tmRoot"/>
+      </p:par>
+    </p:tnLst>
+  </p:timing>
 </p:sld>
 </file>
 
@@ -6307,6 +6630,13 @@
   <p:clrMapOvr>
     <a:masterClrMapping/>
   </p:clrMapOvr>
+  <p:timing>
+    <p:tnLst>
+      <p:par>
+        <p:cTn id="1" dur="indefinite" restart="never" nodeType="tmRoot"/>
+      </p:par>
+    </p:tnLst>
+  </p:timing>
 </p:sld>
 </file>
 
